--- a/course_material/slides/020_regular_expressions.pptx
+++ b/course_material/slides/020_regular_expressions.pptx
@@ -3692,21 +3692,8 @@
           <a:p>
             <a:r>
               <a:rPr lang="en-US" dirty="0"/>
-              <a:t>PLEASE DO </a:t>
-            </a:r>
-            <a:r>
-              <a:rPr lang="en-US"/>
-              <a:t>THIS FIRST - We’ll </a:t>
-            </a:r>
-            <a:r>
-              <a:rPr lang="en-US" dirty="0"/>
-              <a:t>start </a:t>
-            </a:r>
-            <a:r>
-              <a:rPr lang="en-US"/>
-              <a:t>at 12:10</a:t>
-            </a:r>
-            <a:endParaRPr lang="en-US" dirty="0"/>
+              <a:t>PLEASE DO THIS FIRST - We’ll start at 12:10</a:t>
+            </a:r>
           </a:p>
           <a:p>
             <a:pPr lvl="1"/>
